--- a/homicides updated.pptx
+++ b/homicides updated.pptx
@@ -130,7 +130,7 @@
 <file path=ppt/revisionInfo.xml><?xml version="1.0" encoding="utf-8"?>
 <p1510:revInfo xmlns:a="http://schemas.openxmlformats.org/drawingml/2006/main" xmlns:r="http://schemas.openxmlformats.org/officeDocument/2006/relationships" xmlns:p1510="http://schemas.microsoft.com/office/powerpoint/2015/10/main">
   <p1510:revLst>
-    <p1510:client id="{A172145C-6286-9448-924E-FFBB93A2E6DC}" v="32" dt="2021-03-10T22:48:10.727"/>
+    <p1510:client id="{A172145C-6286-9448-924E-FFBB93A2E6DC}" v="98" dt="2021-03-11T13:01:33.379"/>
   </p1510:revLst>
 </p1510:revInfo>
 </file>
@@ -140,10 +140,25 @@
   <pc:docChgLst>
     <pc:chgData name="Jesid Acosta" userId="bd02e801-e868-45e4-af51-7c6a03b6d837" providerId="ADAL" clId="{A172145C-6286-9448-924E-FFBB93A2E6DC}"/>
     <pc:docChg chg="undo custSel addSld modSld sldOrd">
-      <pc:chgData name="Jesid Acosta" userId="bd02e801-e868-45e4-af51-7c6a03b6d837" providerId="ADAL" clId="{A172145C-6286-9448-924E-FFBB93A2E6DC}" dt="2021-03-10T22:56:12.181" v="282" actId="20577"/>
+      <pc:chgData name="Jesid Acosta" userId="bd02e801-e868-45e4-af51-7c6a03b6d837" providerId="ADAL" clId="{A172145C-6286-9448-924E-FFBB93A2E6DC}" dt="2021-03-11T13:01:33.379" v="868" actId="1076"/>
       <pc:docMkLst>
         <pc:docMk/>
       </pc:docMkLst>
+      <pc:sldChg chg="modSp">
+        <pc:chgData name="Jesid Acosta" userId="bd02e801-e868-45e4-af51-7c6a03b6d837" providerId="ADAL" clId="{A172145C-6286-9448-924E-FFBB93A2E6DC}" dt="2021-03-11T13:01:33.379" v="868" actId="1076"/>
+        <pc:sldMkLst>
+          <pc:docMk/>
+          <pc:sldMk cId="3403231288" sldId="259"/>
+        </pc:sldMkLst>
+        <pc:picChg chg="mod">
+          <ac:chgData name="Jesid Acosta" userId="bd02e801-e868-45e4-af51-7c6a03b6d837" providerId="ADAL" clId="{A172145C-6286-9448-924E-FFBB93A2E6DC}" dt="2021-03-11T13:01:33.379" v="868" actId="1076"/>
+          <ac:picMkLst>
+            <pc:docMk/>
+            <pc:sldMk cId="3403231288" sldId="259"/>
+            <ac:picMk id="1026" creationId="{2C51F6FE-377C-41AD-A6F7-62FCCFE9084E}"/>
+          </ac:picMkLst>
+        </pc:picChg>
+      </pc:sldChg>
       <pc:sldChg chg="mod modShow">
         <pc:chgData name="Jesid Acosta" userId="bd02e801-e868-45e4-af51-7c6a03b6d837" providerId="ADAL" clId="{A172145C-6286-9448-924E-FFBB93A2E6DC}" dt="2021-03-10T22:18:07.350" v="17" actId="729"/>
         <pc:sldMkLst>
@@ -152,7 +167,7 @@
         </pc:sldMkLst>
       </pc:sldChg>
       <pc:sldChg chg="modSp mod">
-        <pc:chgData name="Jesid Acosta" userId="bd02e801-e868-45e4-af51-7c6a03b6d837" providerId="ADAL" clId="{A172145C-6286-9448-924E-FFBB93A2E6DC}" dt="2021-03-10T22:45:59.565" v="221" actId="122"/>
+        <pc:chgData name="Jesid Acosta" userId="bd02e801-e868-45e4-af51-7c6a03b6d837" providerId="ADAL" clId="{A172145C-6286-9448-924E-FFBB93A2E6DC}" dt="2021-03-11T12:56:02.733" v="515" actId="20577"/>
         <pc:sldMkLst>
           <pc:docMk/>
           <pc:sldMk cId="1443930595" sldId="261"/>
@@ -166,7 +181,7 @@
           </ac:spMkLst>
         </pc:spChg>
         <pc:graphicFrameChg chg="modGraphic">
-          <ac:chgData name="Jesid Acosta" userId="bd02e801-e868-45e4-af51-7c6a03b6d837" providerId="ADAL" clId="{A172145C-6286-9448-924E-FFBB93A2E6DC}" dt="2021-03-10T22:45:59.565" v="221" actId="122"/>
+          <ac:chgData name="Jesid Acosta" userId="bd02e801-e868-45e4-af51-7c6a03b6d837" providerId="ADAL" clId="{A172145C-6286-9448-924E-FFBB93A2E6DC}" dt="2021-03-11T12:56:02.733" v="515" actId="20577"/>
           <ac:graphicFrameMkLst>
             <pc:docMk/>
             <pc:sldMk cId="1443930595" sldId="261"/>
@@ -213,13 +228,13 @@
         </pc:graphicFrameChg>
       </pc:sldChg>
       <pc:sldChg chg="modSp mod">
-        <pc:chgData name="Jesid Acosta" userId="bd02e801-e868-45e4-af51-7c6a03b6d837" providerId="ADAL" clId="{A172145C-6286-9448-924E-FFBB93A2E6DC}" dt="2021-03-10T22:26:12.861" v="35" actId="26606"/>
+        <pc:chgData name="Jesid Acosta" userId="bd02e801-e868-45e4-af51-7c6a03b6d837" providerId="ADAL" clId="{A172145C-6286-9448-924E-FFBB93A2E6DC}" dt="2021-03-11T12:58:59.972" v="866" actId="20577"/>
         <pc:sldMkLst>
           <pc:docMk/>
           <pc:sldMk cId="1836327748" sldId="268"/>
         </pc:sldMkLst>
-        <pc:graphicFrameChg chg="modGraphic">
-          <ac:chgData name="Jesid Acosta" userId="bd02e801-e868-45e4-af51-7c6a03b6d837" providerId="ADAL" clId="{A172145C-6286-9448-924E-FFBB93A2E6DC}" dt="2021-03-10T22:26:12.861" v="35" actId="26606"/>
+        <pc:graphicFrameChg chg="mod modGraphic">
+          <ac:chgData name="Jesid Acosta" userId="bd02e801-e868-45e4-af51-7c6a03b6d837" providerId="ADAL" clId="{A172145C-6286-9448-924E-FFBB93A2E6DC}" dt="2021-03-11T12:58:59.972" v="866" actId="20577"/>
           <ac:graphicFrameMkLst>
             <pc:docMk/>
             <pc:sldMk cId="1836327748" sldId="268"/>
@@ -321,7 +336,7 @@
         </pc:picChg>
       </pc:sldChg>
       <pc:sldChg chg="modSp add mod">
-        <pc:chgData name="Jesid Acosta" userId="bd02e801-e868-45e4-af51-7c6a03b6d837" providerId="ADAL" clId="{A172145C-6286-9448-924E-FFBB93A2E6DC}" dt="2021-03-10T22:56:12.181" v="282" actId="20577"/>
+        <pc:chgData name="Jesid Acosta" userId="bd02e801-e868-45e4-af51-7c6a03b6d837" providerId="ADAL" clId="{A172145C-6286-9448-924E-FFBB93A2E6DC}" dt="2021-03-11T13:00:24.984" v="867" actId="20577"/>
         <pc:sldMkLst>
           <pc:docMk/>
           <pc:sldMk cId="805615072" sldId="273"/>
@@ -335,7 +350,7 @@
           </ac:spMkLst>
         </pc:spChg>
         <pc:graphicFrameChg chg="mod modGraphic">
-          <ac:chgData name="Jesid Acosta" userId="bd02e801-e868-45e4-af51-7c6a03b6d837" providerId="ADAL" clId="{A172145C-6286-9448-924E-FFBB93A2E6DC}" dt="2021-03-10T22:56:12.181" v="282" actId="20577"/>
+          <ac:chgData name="Jesid Acosta" userId="bd02e801-e868-45e4-af51-7c6a03b6d837" providerId="ADAL" clId="{A172145C-6286-9448-924E-FFBB93A2E6DC}" dt="2021-03-11T13:00:24.984" v="867" actId="20577"/>
           <ac:graphicFrameMkLst>
             <pc:docMk/>
             <pc:sldMk cId="805615072" sldId="273"/>
@@ -1367,6 +1382,28 @@
         </a:p>
       </dgm:t>
     </dgm:pt>
+    <dgm:pt modelId="{03C7B248-B1BB-864C-A4CD-31A6F04FC5C4}">
+      <dgm:prSet/>
+      <dgm:spPr/>
+      <dgm:t>
+        <a:bodyPr/>
+        <a:lstStyle/>
+        <a:p>
+          <a:r>
+            <a:rPr lang="en-US" dirty="0"/>
+            <a:t>Identify states of interest &amp; compare</a:t>
+          </a:r>
+        </a:p>
+      </dgm:t>
+    </dgm:pt>
+    <dgm:pt modelId="{6DB9AFAA-06B9-314D-A981-BF1680145546}" type="parTrans" cxnId="{8327A7BA-C275-B449-8230-3C68A9CF1A46}">
+      <dgm:prSet/>
+      <dgm:spPr/>
+    </dgm:pt>
+    <dgm:pt modelId="{5C2A06CB-53A5-D449-BBA7-F4F8D89684B2}" type="sibTrans" cxnId="{8327A7BA-C275-B449-8230-3C68A9CF1A46}">
+      <dgm:prSet/>
+      <dgm:spPr/>
+    </dgm:pt>
     <dgm:pt modelId="{E4BA1BDB-8B81-BC49-8BAD-021DD5B296A3}" type="pres">
       <dgm:prSet presAssocID="{8B7A0DC7-6514-464A-B0C5-624A074FC96C}" presName="linear" presStyleCnt="0">
         <dgm:presLayoutVars>
@@ -1385,8 +1422,12 @@
       </dgm:prSet>
       <dgm:spPr/>
     </dgm:pt>
-    <dgm:pt modelId="{E49EA2A9-D29F-E24E-9649-82D0A7B42113}" type="pres">
-      <dgm:prSet presAssocID="{3CAFD0C6-124F-4086-A221-11E165F2BD7B}" presName="spacer" presStyleCnt="0"/>
+    <dgm:pt modelId="{AF7A0995-02F4-DD47-991C-223D84E17DC5}" type="pres">
+      <dgm:prSet presAssocID="{E4D3C2AD-339B-4A30-B45C-8B56C7BA9199}" presName="childText" presStyleLbl="revTx" presStyleIdx="0" presStyleCnt="3">
+        <dgm:presLayoutVars>
+          <dgm:bulletEnabled val="1"/>
+        </dgm:presLayoutVars>
+      </dgm:prSet>
       <dgm:spPr/>
     </dgm:pt>
     <dgm:pt modelId="{5A9DF0B6-EB1C-6742-A2F4-98DE7D6B27D4}" type="pres">
@@ -1399,7 +1440,7 @@
       <dgm:spPr/>
     </dgm:pt>
     <dgm:pt modelId="{EBBAE608-45DE-FD4D-8C08-887DE1F8BAC8}" type="pres">
-      <dgm:prSet presAssocID="{93A575B2-EC74-482C-A196-8B38641C886B}" presName="childText" presStyleLbl="revTx" presStyleIdx="0" presStyleCnt="2">
+      <dgm:prSet presAssocID="{93A575B2-EC74-482C-A196-8B38641C886B}" presName="childText" presStyleLbl="revTx" presStyleIdx="1" presStyleCnt="3">
         <dgm:presLayoutVars>
           <dgm:bulletEnabled val="1"/>
         </dgm:presLayoutVars>
@@ -1416,7 +1457,7 @@
       <dgm:spPr/>
     </dgm:pt>
     <dgm:pt modelId="{BA1C56AB-A499-B54B-A102-7D2737DD17C9}" type="pres">
-      <dgm:prSet presAssocID="{9CC6A256-2C1B-4444-9A6F-2E8042DE226F}" presName="childText" presStyleLbl="revTx" presStyleIdx="1" presStyleCnt="2">
+      <dgm:prSet presAssocID="{9CC6A256-2C1B-4444-9A6F-2E8042DE226F}" presName="childText" presStyleLbl="revTx" presStyleIdx="2" presStyleCnt="3">
         <dgm:presLayoutVars>
           <dgm:bulletEnabled val="1"/>
         </dgm:presLayoutVars>
@@ -1437,6 +1478,7 @@
     <dgm:cxn modelId="{AAE9A601-CB5C-429F-84D6-31318599F282}" srcId="{8B7A0DC7-6514-464A-B0C5-624A074FC96C}" destId="{E4D3C2AD-339B-4A30-B45C-8B56C7BA9199}" srcOrd="0" destOrd="0" parTransId="{FC541B28-5360-4718-BB55-CEEC5F239ECA}" sibTransId="{3CAFD0C6-124F-4086-A221-11E165F2BD7B}"/>
     <dgm:cxn modelId="{C3398827-B76E-2844-BB91-DAE571854679}" type="presOf" srcId="{F1E9FEB8-D2B1-4E26-900B-BF6D4DED00C3}" destId="{EBBAE608-45DE-FD4D-8C08-887DE1F8BAC8}" srcOrd="0" destOrd="0" presId="urn:microsoft.com/office/officeart/2005/8/layout/vList2"/>
     <dgm:cxn modelId="{FD7A6A31-A9BB-4495-A4F7-17977ED5C51E}" srcId="{93A575B2-EC74-482C-A196-8B38641C886B}" destId="{DF6A28D3-53A6-4DA9-B16D-D10FA5A12BE9}" srcOrd="1" destOrd="0" parTransId="{336E5A20-5CC6-4FA2-9DED-0E229B05EB9A}" sibTransId="{A159CA1A-D7D7-47C6-8A52-591044FFE04E}"/>
+    <dgm:cxn modelId="{BA57D13E-03ED-134A-AF7F-5CBEF182C41F}" type="presOf" srcId="{03C7B248-B1BB-864C-A4CD-31A6F04FC5C4}" destId="{AF7A0995-02F4-DD47-991C-223D84E17DC5}" srcOrd="0" destOrd="0" presId="urn:microsoft.com/office/officeart/2005/8/layout/vList2"/>
     <dgm:cxn modelId="{D11E514C-9E6E-0B42-BDE6-7E7681C3698F}" type="presOf" srcId="{9CC6A256-2C1B-4444-9A6F-2E8042DE226F}" destId="{0813F81D-C425-3D42-81A5-FD978F196BE1}" srcOrd="0" destOrd="0" presId="urn:microsoft.com/office/officeart/2005/8/layout/vList2"/>
     <dgm:cxn modelId="{C1899D4E-7640-412F-AFB9-555AFDB0B24E}" srcId="{93A575B2-EC74-482C-A196-8B38641C886B}" destId="{F1E9FEB8-D2B1-4E26-900B-BF6D4DED00C3}" srcOrd="0" destOrd="0" parTransId="{1B74E84C-807F-4B32-B832-DF722521980E}" sibTransId="{615D09CB-0D06-42F4-8BF7-EA1CDC5B2563}"/>
     <dgm:cxn modelId="{9CB4B750-211B-4B77-BED1-6CA558EE88BB}" srcId="{8B7A0DC7-6514-464A-B0C5-624A074FC96C}" destId="{9CC6A256-2C1B-4444-9A6F-2E8042DE226F}" srcOrd="2" destOrd="0" parTransId="{F8CFD087-B53B-425E-8A3C-9B1759B44B38}" sibTransId="{442C3D8F-249D-48E2-9A17-11A9A5E2B841}"/>
@@ -1445,12 +1487,13 @@
     <dgm:cxn modelId="{D8019A8F-0B1D-C147-87D2-706669E697BE}" type="presOf" srcId="{E4D3C2AD-339B-4A30-B45C-8B56C7BA9199}" destId="{839A88F9-DA11-884E-9374-330B5FB819A7}" srcOrd="0" destOrd="0" presId="urn:microsoft.com/office/officeart/2005/8/layout/vList2"/>
     <dgm:cxn modelId="{AD1A2FB7-485A-1A44-8B80-5104CFA36193}" type="presOf" srcId="{EE49F22E-8CB8-459C-A76B-C97D5267F87B}" destId="{BA1C56AB-A499-B54B-A102-7D2737DD17C9}" srcOrd="0" destOrd="0" presId="urn:microsoft.com/office/officeart/2005/8/layout/vList2"/>
     <dgm:cxn modelId="{9986E4B9-B1B9-4B0C-B6D8-72A1F39DB60D}" srcId="{8B7A0DC7-6514-464A-B0C5-624A074FC96C}" destId="{93A575B2-EC74-482C-A196-8B38641C886B}" srcOrd="1" destOrd="0" parTransId="{317715DD-DE88-428B-B4A3-346CC6433722}" sibTransId="{794FD7C8-7C94-4162-A54B-26C777BE1A7C}"/>
+    <dgm:cxn modelId="{8327A7BA-C275-B449-8230-3C68A9CF1A46}" srcId="{E4D3C2AD-339B-4A30-B45C-8B56C7BA9199}" destId="{03C7B248-B1BB-864C-A4CD-31A6F04FC5C4}" srcOrd="0" destOrd="0" parTransId="{6DB9AFAA-06B9-314D-A981-BF1680145546}" sibTransId="{5C2A06CB-53A5-D449-BBA7-F4F8D89684B2}"/>
     <dgm:cxn modelId="{9A58C0CE-1195-4C8D-81C4-D794A381B7B9}" srcId="{8B7A0DC7-6514-464A-B0C5-624A074FC96C}" destId="{A419A2AF-A1E8-4F17-AA9C-FF32FA66F860}" srcOrd="3" destOrd="0" parTransId="{31FEC78C-AA0C-45AF-8086-8B8C8C9B878D}" sibTransId="{72B048EE-EA3F-433F-880B-8791F73234EF}"/>
     <dgm:cxn modelId="{2F1C84DE-4BEC-4F46-9063-385705D12CD8}" type="presOf" srcId="{8B7A0DC7-6514-464A-B0C5-624A074FC96C}" destId="{E4BA1BDB-8B81-BC49-8BAD-021DD5B296A3}" srcOrd="0" destOrd="0" presId="urn:microsoft.com/office/officeart/2005/8/layout/vList2"/>
     <dgm:cxn modelId="{69334BE6-8E88-7546-9AB3-2E9FBFE3E335}" type="presOf" srcId="{A419A2AF-A1E8-4F17-AA9C-FF32FA66F860}" destId="{233C5903-723A-C74B-A517-80D740FEA43D}" srcOrd="0" destOrd="0" presId="urn:microsoft.com/office/officeart/2005/8/layout/vList2"/>
     <dgm:cxn modelId="{15D626EF-F150-5542-B2DD-8620C95C055C}" type="presOf" srcId="{DF6A28D3-53A6-4DA9-B16D-D10FA5A12BE9}" destId="{EBBAE608-45DE-FD4D-8C08-887DE1F8BAC8}" srcOrd="0" destOrd="1" presId="urn:microsoft.com/office/officeart/2005/8/layout/vList2"/>
     <dgm:cxn modelId="{88E3B58C-08C3-9941-9AA7-5978ABEDE171}" type="presParOf" srcId="{E4BA1BDB-8B81-BC49-8BAD-021DD5B296A3}" destId="{839A88F9-DA11-884E-9374-330B5FB819A7}" srcOrd="0" destOrd="0" presId="urn:microsoft.com/office/officeart/2005/8/layout/vList2"/>
-    <dgm:cxn modelId="{AF0BF046-7679-184F-920C-E4B235A3D6FA}" type="presParOf" srcId="{E4BA1BDB-8B81-BC49-8BAD-021DD5B296A3}" destId="{E49EA2A9-D29F-E24E-9649-82D0A7B42113}" srcOrd="1" destOrd="0" presId="urn:microsoft.com/office/officeart/2005/8/layout/vList2"/>
+    <dgm:cxn modelId="{4A3522CD-B925-2F40-8006-FDC770851E9E}" type="presParOf" srcId="{E4BA1BDB-8B81-BC49-8BAD-021DD5B296A3}" destId="{AF7A0995-02F4-DD47-991C-223D84E17DC5}" srcOrd="1" destOrd="0" presId="urn:microsoft.com/office/officeart/2005/8/layout/vList2"/>
     <dgm:cxn modelId="{E20E57C9-56C0-1D41-9B5D-3EDD188E0D86}" type="presParOf" srcId="{E4BA1BDB-8B81-BC49-8BAD-021DD5B296A3}" destId="{5A9DF0B6-EB1C-6742-A2F4-98DE7D6B27D4}" srcOrd="2" destOrd="0" presId="urn:microsoft.com/office/officeart/2005/8/layout/vList2"/>
     <dgm:cxn modelId="{4054A612-B57A-834A-B6B1-31D9C7207E4E}" type="presParOf" srcId="{E4BA1BDB-8B81-BC49-8BAD-021DD5B296A3}" destId="{EBBAE608-45DE-FD4D-8C08-887DE1F8BAC8}" srcOrd="3" destOrd="0" presId="urn:microsoft.com/office/officeart/2005/8/layout/vList2"/>
     <dgm:cxn modelId="{7ECBF23E-2E02-0F40-9FE5-168AEC0E0062}" type="presParOf" srcId="{E4BA1BDB-8B81-BC49-8BAD-021DD5B296A3}" destId="{0813F81D-C425-3D42-81A5-FD978F196BE1}" srcOrd="4" destOrd="0" presId="urn:microsoft.com/office/officeart/2005/8/layout/vList2"/>
@@ -1482,7 +1525,7 @@
       </dsp:nvSpPr>
       <dsp:spPr>
         <a:xfrm>
-          <a:off x="0" y="549343"/>
+          <a:off x="0" y="350982"/>
           <a:ext cx="6513603" cy="695565"/>
         </a:xfrm>
         <a:prstGeom prst="roundRect">
@@ -1549,8 +1592,68 @@
         </a:p>
       </dsp:txBody>
       <dsp:txXfrm>
-        <a:off x="33955" y="583298"/>
+        <a:off x="33955" y="384937"/>
         <a:ext cx="6445693" cy="627655"/>
+      </dsp:txXfrm>
+    </dsp:sp>
+    <dsp:sp modelId="{AF7A0995-02F4-DD47-991C-223D84E17DC5}">
+      <dsp:nvSpPr>
+        <dsp:cNvPr id="0" name=""/>
+        <dsp:cNvSpPr/>
+      </dsp:nvSpPr>
+      <dsp:spPr>
+        <a:xfrm>
+          <a:off x="0" y="1046547"/>
+          <a:ext cx="6513603" cy="480240"/>
+        </a:xfrm>
+        <a:prstGeom prst="rect">
+          <a:avLst/>
+        </a:prstGeom>
+        <a:noFill/>
+        <a:ln>
+          <a:noFill/>
+        </a:ln>
+        <a:effectLst/>
+      </dsp:spPr>
+      <dsp:style>
+        <a:lnRef idx="0">
+          <a:scrgbClr r="0" g="0" b="0"/>
+        </a:lnRef>
+        <a:fillRef idx="0">
+          <a:scrgbClr r="0" g="0" b="0"/>
+        </a:fillRef>
+        <a:effectRef idx="0">
+          <a:scrgbClr r="0" g="0" b="0"/>
+        </a:effectRef>
+        <a:fontRef idx="minor"/>
+      </dsp:style>
+      <dsp:txBody>
+        <a:bodyPr spcFirstLastPara="0" vert="horz" wrap="square" lIns="206807" tIns="36830" rIns="206248" bIns="36830" numCol="1" spcCol="1270" anchor="t" anchorCtr="0">
+          <a:noAutofit/>
+        </a:bodyPr>
+        <a:lstStyle/>
+        <a:p>
+          <a:pPr marL="228600" lvl="1" indent="-228600" algn="l" defTabSz="1022350">
+            <a:lnSpc>
+              <a:spcPct val="90000"/>
+            </a:lnSpc>
+            <a:spcBef>
+              <a:spcPct val="0"/>
+            </a:spcBef>
+            <a:spcAft>
+              <a:spcPct val="20000"/>
+            </a:spcAft>
+            <a:buChar char="•"/>
+          </a:pPr>
+          <a:r>
+            <a:rPr lang="en-US" sz="2300" kern="1200" dirty="0"/>
+            <a:t>Identify states of interest &amp; compare</a:t>
+          </a:r>
+        </a:p>
+      </dsp:txBody>
+      <dsp:txXfrm>
+        <a:off x="0" y="1046547"/>
+        <a:ext cx="6513603" cy="480240"/>
       </dsp:txXfrm>
     </dsp:sp>
     <dsp:sp modelId="{5A9DF0B6-EB1C-6742-A2F4-98DE7D6B27D4}">
@@ -1560,7 +1663,7 @@
       </dsp:nvSpPr>
       <dsp:spPr>
         <a:xfrm>
-          <a:off x="0" y="1328428"/>
+          <a:off x="0" y="1526787"/>
           <a:ext cx="6513603" cy="695565"/>
         </a:xfrm>
         <a:prstGeom prst="roundRect">
@@ -1632,7 +1735,7 @@
         </a:p>
       </dsp:txBody>
       <dsp:txXfrm>
-        <a:off x="33955" y="1362383"/>
+        <a:off x="33955" y="1560742"/>
         <a:ext cx="6445693" cy="627655"/>
       </dsp:txXfrm>
     </dsp:sp>
@@ -1643,7 +1746,7 @@
       </dsp:nvSpPr>
       <dsp:spPr>
         <a:xfrm>
-          <a:off x="0" y="2023993"/>
+          <a:off x="0" y="2222353"/>
           <a:ext cx="6513603" cy="1440719"/>
         </a:xfrm>
         <a:prstGeom prst="rect">
@@ -1710,7 +1813,7 @@
         </a:p>
       </dsp:txBody>
       <dsp:txXfrm>
-        <a:off x="0" y="2023993"/>
+        <a:off x="0" y="2222353"/>
         <a:ext cx="6513603" cy="1440719"/>
       </dsp:txXfrm>
     </dsp:sp>
@@ -1721,7 +1824,7 @@
       </dsp:nvSpPr>
       <dsp:spPr>
         <a:xfrm>
-          <a:off x="0" y="3464713"/>
+          <a:off x="0" y="3663073"/>
           <a:ext cx="6513603" cy="695565"/>
         </a:xfrm>
         <a:prstGeom prst="roundRect">
@@ -1789,7 +1892,7 @@
         </a:p>
       </dsp:txBody>
       <dsp:txXfrm>
-        <a:off x="33955" y="3498668"/>
+        <a:off x="33955" y="3697028"/>
         <a:ext cx="6445693" cy="627655"/>
       </dsp:txXfrm>
     </dsp:sp>
@@ -1800,7 +1903,7 @@
       </dsp:nvSpPr>
       <dsp:spPr>
         <a:xfrm>
-          <a:off x="0" y="4160278"/>
+          <a:off x="0" y="4358638"/>
           <a:ext cx="6513603" cy="480240"/>
         </a:xfrm>
         <a:prstGeom prst="rect">
@@ -1849,7 +1952,7 @@
         </a:p>
       </dsp:txBody>
       <dsp:txXfrm>
-        <a:off x="0" y="4160278"/>
+        <a:off x="0" y="4358638"/>
         <a:ext cx="6513603" cy="480240"/>
       </dsp:txXfrm>
     </dsp:sp>
@@ -1860,7 +1963,7 @@
       </dsp:nvSpPr>
       <dsp:spPr>
         <a:xfrm>
-          <a:off x="0" y="4640518"/>
+          <a:off x="0" y="4838878"/>
           <a:ext cx="6513603" cy="695565"/>
         </a:xfrm>
         <a:prstGeom prst="roundRect">
@@ -1927,7 +2030,7 @@
         </a:p>
       </dsp:txBody>
       <dsp:txXfrm>
-        <a:off x="33955" y="4674473"/>
+        <a:off x="33955" y="4872833"/>
         <a:ext cx="6445693" cy="627655"/>
       </dsp:txXfrm>
     </dsp:sp>
@@ -3218,7 +3321,7 @@
           <a:p>
             <a:fld id="{2CF7DD80-0DBB-9446-848B-258FCFE9B298}" type="datetimeFigureOut">
               <a:rPr lang="en-US" smtClean="0"/>
-              <a:t>3/10/21</a:t>
+              <a:t>3/11/21</a:t>
             </a:fld>
             <a:endParaRPr lang="en-US"/>
           </a:p>
@@ -4072,7 +4175,7 @@
           <a:p>
             <a:fld id="{B584E8DE-2D2E-429B-9B48-B77D08C73E2F}" type="datetimeFigureOut">
               <a:rPr lang="en-US" smtClean="0"/>
-              <a:t>3/10/21</a:t>
+              <a:t>3/11/21</a:t>
             </a:fld>
             <a:endParaRPr lang="en-US"/>
           </a:p>
@@ -4270,7 +4373,7 @@
           <a:p>
             <a:fld id="{B584E8DE-2D2E-429B-9B48-B77D08C73E2F}" type="datetimeFigureOut">
               <a:rPr lang="en-US" smtClean="0"/>
-              <a:t>3/10/21</a:t>
+              <a:t>3/11/21</a:t>
             </a:fld>
             <a:endParaRPr lang="en-US"/>
           </a:p>
@@ -4478,7 +4581,7 @@
           <a:p>
             <a:fld id="{B584E8DE-2D2E-429B-9B48-B77D08C73E2F}" type="datetimeFigureOut">
               <a:rPr lang="en-US" smtClean="0"/>
-              <a:t>3/10/21</a:t>
+              <a:t>3/11/21</a:t>
             </a:fld>
             <a:endParaRPr lang="en-US"/>
           </a:p>
@@ -4676,7 +4779,7 @@
           <a:p>
             <a:fld id="{B584E8DE-2D2E-429B-9B48-B77D08C73E2F}" type="datetimeFigureOut">
               <a:rPr lang="en-US" smtClean="0"/>
-              <a:t>3/10/21</a:t>
+              <a:t>3/11/21</a:t>
             </a:fld>
             <a:endParaRPr lang="en-US"/>
           </a:p>
@@ -4951,7 +5054,7 @@
           <a:p>
             <a:fld id="{B584E8DE-2D2E-429B-9B48-B77D08C73E2F}" type="datetimeFigureOut">
               <a:rPr lang="en-US" smtClean="0"/>
-              <a:t>3/10/21</a:t>
+              <a:t>3/11/21</a:t>
             </a:fld>
             <a:endParaRPr lang="en-US"/>
           </a:p>
@@ -5216,7 +5319,7 @@
           <a:p>
             <a:fld id="{B584E8DE-2D2E-429B-9B48-B77D08C73E2F}" type="datetimeFigureOut">
               <a:rPr lang="en-US" smtClean="0"/>
-              <a:t>3/10/21</a:t>
+              <a:t>3/11/21</a:t>
             </a:fld>
             <a:endParaRPr lang="en-US"/>
           </a:p>
@@ -5628,7 +5731,7 @@
           <a:p>
             <a:fld id="{B584E8DE-2D2E-429B-9B48-B77D08C73E2F}" type="datetimeFigureOut">
               <a:rPr lang="en-US" smtClean="0"/>
-              <a:t>3/10/21</a:t>
+              <a:t>3/11/21</a:t>
             </a:fld>
             <a:endParaRPr lang="en-US"/>
           </a:p>
@@ -5769,7 +5872,7 @@
           <a:p>
             <a:fld id="{B584E8DE-2D2E-429B-9B48-B77D08C73E2F}" type="datetimeFigureOut">
               <a:rPr lang="en-US" smtClean="0"/>
-              <a:t>3/10/21</a:t>
+              <a:t>3/11/21</a:t>
             </a:fld>
             <a:endParaRPr lang="en-US"/>
           </a:p>
@@ -5882,7 +5985,7 @@
           <a:p>
             <a:fld id="{B584E8DE-2D2E-429B-9B48-B77D08C73E2F}" type="datetimeFigureOut">
               <a:rPr lang="en-US" smtClean="0"/>
-              <a:t>3/10/21</a:t>
+              <a:t>3/11/21</a:t>
             </a:fld>
             <a:endParaRPr lang="en-US"/>
           </a:p>
@@ -6193,7 +6296,7 @@
           <a:p>
             <a:fld id="{B584E8DE-2D2E-429B-9B48-B77D08C73E2F}" type="datetimeFigureOut">
               <a:rPr lang="en-US" smtClean="0"/>
-              <a:t>3/10/21</a:t>
+              <a:t>3/11/21</a:t>
             </a:fld>
             <a:endParaRPr lang="en-US"/>
           </a:p>
@@ -6481,7 +6584,7 @@
           <a:p>
             <a:fld id="{B584E8DE-2D2E-429B-9B48-B77D08C73E2F}" type="datetimeFigureOut">
               <a:rPr lang="en-US" smtClean="0"/>
-              <a:t>3/10/21</a:t>
+              <a:t>3/11/21</a:t>
             </a:fld>
             <a:endParaRPr lang="en-US"/>
           </a:p>
@@ -6722,7 +6825,7 @@
           <a:p>
             <a:fld id="{B584E8DE-2D2E-429B-9B48-B77D08C73E2F}" type="datetimeFigureOut">
               <a:rPr lang="en-US" smtClean="0"/>
-              <a:t>3/10/21</a:t>
+              <a:t>3/11/21</a:t>
             </a:fld>
             <a:endParaRPr lang="en-US"/>
           </a:p>
@@ -7474,7 +7577,7 @@
           <p:nvPr>
             <p:extLst>
               <p:ext uri="{D42A27DB-BD31-4B8C-83A1-F6EECF244321}">
-                <p14:modId xmlns:p14="http://schemas.microsoft.com/office/powerpoint/2010/main" val="2049150538"/>
+                <p14:modId xmlns:p14="http://schemas.microsoft.com/office/powerpoint/2010/main" val="1640456105"/>
               </p:ext>
             </p:extLst>
           </p:nvPr>
@@ -7908,13 +8011,16 @@
                     <a:lstStyle/>
                     <a:p>
                       <a:pPr algn="l" fontAlgn="b"/>
-                      <a:endParaRPr lang="en-US" sz="1400" b="1" i="0" u="none" strike="noStrike" dirty="0">
-                        <a:solidFill>
-                          <a:srgbClr val="3B3838"/>
-                        </a:solidFill>
-                        <a:effectLst/>
-                        <a:latin typeface="Calibri" panose="020F0502020204030204" pitchFamily="34" charset="0"/>
-                      </a:endParaRPr>
+                      <a:r>
+                        <a:rPr lang="en-US" sz="1400" b="1" i="0" u="none" strike="noStrike" dirty="0">
+                          <a:solidFill>
+                            <a:srgbClr val="3B3838"/>
+                          </a:solidFill>
+                          <a:effectLst/>
+                          <a:latin typeface="Calibri" panose="020F0502020204030204" pitchFamily="34" charset="0"/>
+                        </a:rPr>
+                        <a:t>Will limit bad users (folks with substance abuse or past criminal history) from access</a:t>
+                      </a:r>
                     </a:p>
                   </a:txBody>
                   <a:tcPr marL="2214" marR="2214" marT="2214" marB="0" anchor="ctr"/>
@@ -7972,13 +8078,16 @@
                     <a:lstStyle/>
                     <a:p>
                       <a:pPr algn="l" fontAlgn="b"/>
-                      <a:endParaRPr lang="en-US" sz="1400" b="1" i="0" u="none" strike="noStrike" dirty="0">
-                        <a:solidFill>
-                          <a:srgbClr val="3B3838"/>
-                        </a:solidFill>
-                        <a:effectLst/>
-                        <a:latin typeface="Calibri" panose="020F0502020204030204" pitchFamily="34" charset="0"/>
-                      </a:endParaRPr>
+                      <a:r>
+                        <a:rPr lang="en-US" sz="1400" b="1" i="0" u="none" strike="noStrike" dirty="0">
+                          <a:solidFill>
+                            <a:srgbClr val="3B3838"/>
+                          </a:solidFill>
+                          <a:effectLst/>
+                          <a:latin typeface="Calibri" panose="020F0502020204030204" pitchFamily="34" charset="0"/>
+                        </a:rPr>
+                        <a:t>Will increase barrier for entry for individuals that may want to use it in hasty, violent act</a:t>
+                      </a:r>
                     </a:p>
                   </a:txBody>
                   <a:tcPr marL="2214" marR="2214" marT="2214" marB="0" anchor="ctr"/>
@@ -8036,13 +8145,16 @@
                     <a:lstStyle/>
                     <a:p>
                       <a:pPr algn="l" fontAlgn="b"/>
-                      <a:endParaRPr lang="en-US" sz="1400" b="1" i="0" u="none" strike="noStrike" dirty="0">
-                        <a:solidFill>
-                          <a:srgbClr val="3B3838"/>
-                        </a:solidFill>
-                        <a:effectLst/>
-                        <a:latin typeface="Calibri" panose="020F0502020204030204" pitchFamily="34" charset="0"/>
-                      </a:endParaRPr>
+                      <a:r>
+                        <a:rPr lang="en-US" sz="1400" b="1" i="0" u="none" strike="noStrike" dirty="0">
+                          <a:solidFill>
+                            <a:srgbClr val="3B3838"/>
+                          </a:solidFill>
+                          <a:effectLst/>
+                          <a:latin typeface="Calibri" panose="020F0502020204030204" pitchFamily="34" charset="0"/>
+                        </a:rPr>
+                        <a:t>Restrict access and allow for better tracing of users</a:t>
+                      </a:r>
                     </a:p>
                   </a:txBody>
                   <a:tcPr marL="2214" marR="2214" marT="2214" marB="0" anchor="ctr"/>
@@ -9741,7 +9853,7 @@
             <p:ph idx="1"/>
             <p:extLst>
               <p:ext uri="{D42A27DB-BD31-4B8C-83A1-F6EECF244321}">
-                <p14:modId xmlns:p14="http://schemas.microsoft.com/office/powerpoint/2010/main" val="3008788338"/>
+                <p14:modId xmlns:p14="http://schemas.microsoft.com/office/powerpoint/2010/main" val="3780575532"/>
               </p:ext>
             </p:extLst>
           </p:nvPr>
@@ -10532,7 +10644,7 @@
         </p:blipFill>
         <p:spPr bwMode="auto">
           <a:xfrm>
-            <a:off x="95464" y="1282"/>
+            <a:off x="20" y="1282"/>
             <a:ext cx="12191980" cy="6856718"/>
           </a:xfrm>
           <a:prstGeom prst="rect">
@@ -13664,7 +13776,7 @@
           <p:nvPr>
             <p:extLst>
               <p:ext uri="{D42A27DB-BD31-4B8C-83A1-F6EECF244321}">
-                <p14:modId xmlns:p14="http://schemas.microsoft.com/office/powerpoint/2010/main" val="3473962573"/>
+                <p14:modId xmlns:p14="http://schemas.microsoft.com/office/powerpoint/2010/main" val="3481871863"/>
               </p:ext>
             </p:extLst>
           </p:nvPr>
@@ -14348,13 +14460,16 @@
                     <a:lstStyle/>
                     <a:p>
                       <a:pPr algn="l" fontAlgn="b"/>
-                      <a:endParaRPr lang="en-US" sz="1400" b="1" i="0" u="none" strike="noStrike" dirty="0">
-                        <a:solidFill>
-                          <a:srgbClr val="3B3838"/>
-                        </a:solidFill>
-                        <a:effectLst/>
-                        <a:latin typeface="Calibri" panose="020F0502020204030204" pitchFamily="34" charset="0"/>
-                      </a:endParaRPr>
+                      <a:r>
+                        <a:rPr lang="en-US" sz="1400" b="1" i="0" u="none" strike="noStrike" dirty="0">
+                          <a:solidFill>
+                            <a:srgbClr val="3B3838"/>
+                          </a:solidFill>
+                          <a:effectLst/>
+                          <a:latin typeface="Calibri" panose="020F0502020204030204" pitchFamily="34" charset="0"/>
+                        </a:rPr>
+                        <a:t>Handguns, machine guns and others small projectile launchers registered </a:t>
+                      </a:r>
                     </a:p>
                   </a:txBody>
                   <a:tcPr marL="2214" marR="2214" marT="2214" marB="0" anchor="ctr"/>
